--- a/database/slides/JESUS_COME.pptx
+++ b/database/slides/JESUS_COME.pptx
@@ -15940,7 +15940,13 @@
       </p:sp>
       <p:sp>
         <p:nvSpPr>
-          <p:cNvPr id="131" name="Google Shape;131;p25"/>
+          <p:cNvPr id="2" name="Google Shape;131;p25">
+            <a:extLst>
+              <a:ext uri="{FF2B5EF4-FFF2-40B4-BE49-F238E27FC236}">
+                <a16:creationId xmlns:a16="http://schemas.microsoft.com/office/drawing/2014/main" id="{D7BA77BD-A8C5-882A-18F6-EFE7F7A45FED}"/>
+              </a:ext>
+            </a:extLst>
+          </p:cNvPr>
           <p:cNvSpPr txBox="1"/>
           <p:nvPr/>
         </p:nvSpPr>
@@ -15963,11 +15969,19 @@
           </a:bodyPr>
           <a:lstStyle/>
           <a:p>
-            <a:pPr>
+            <a:pPr marL="0" lvl="0" indent="0" algn="l" rtl="0">
+              <a:spcBef>
+                <a:spcPts val="0"/>
+              </a:spcBef>
+              <a:spcAft>
+                <a:spcPts val="0"/>
+              </a:spcAft>
               <a:buClr>
                 <a:schemeClr val="lt1"/>
               </a:buClr>
               <a:buSzPts val="3200"/>
+              <a:buFont typeface="Arial"/>
+              <a:buNone/>
             </a:pPr>
             <a:r>
               <a:rPr lang="en-GB" sz="3600" b="1" i="1" dirty="0">
@@ -15981,7 +15995,7 @@
               </a:rPr>
               <a:t>contd..</a:t>
             </a:r>
-            <a:endParaRPr lang="en-GB" sz="3600" dirty="0">
+            <a:endParaRPr sz="3600" dirty="0">
               <a:latin typeface="Calibri"/>
               <a:ea typeface="Calibri"/>
               <a:cs typeface="Calibri"/>
@@ -16309,10 +16323,10 @@
       </p:sp>
       <p:sp>
         <p:nvSpPr>
-          <p:cNvPr id="131" name="Google Shape;131;p25">
+          <p:cNvPr id="2" name="Google Shape;131;p25">
             <a:extLst>
               <a:ext uri="{FF2B5EF4-FFF2-40B4-BE49-F238E27FC236}">
-                <a16:creationId xmlns:a16="http://schemas.microsoft.com/office/drawing/2014/main" id="{841B9909-17E0-53D1-67A3-4FCE9DDC3388}"/>
+                <a16:creationId xmlns:a16="http://schemas.microsoft.com/office/drawing/2014/main" id="{12DDD4A6-459C-E060-A1FA-8593032B4067}"/>
               </a:ext>
             </a:extLst>
           </p:cNvPr>
@@ -16338,11 +16352,19 @@
           </a:bodyPr>
           <a:lstStyle/>
           <a:p>
-            <a:pPr>
+            <a:pPr marL="0" lvl="0" indent="0" algn="l" rtl="0">
+              <a:spcBef>
+                <a:spcPts val="0"/>
+              </a:spcBef>
+              <a:spcAft>
+                <a:spcPts val="0"/>
+              </a:spcAft>
               <a:buClr>
                 <a:schemeClr val="lt1"/>
               </a:buClr>
               <a:buSzPts val="3200"/>
+              <a:buFont typeface="Arial"/>
+              <a:buNone/>
             </a:pPr>
             <a:r>
               <a:rPr lang="en-GB" sz="3600" b="1" i="1" dirty="0">
@@ -16356,7 +16378,7 @@
               </a:rPr>
               <a:t>contd..</a:t>
             </a:r>
-            <a:endParaRPr lang="en-GB" sz="3600" dirty="0">
+            <a:endParaRPr sz="3600" dirty="0">
               <a:latin typeface="Calibri"/>
               <a:ea typeface="Calibri"/>
               <a:cs typeface="Calibri"/>

--- a/database/slides/JESUS_COME.pptx
+++ b/database/slides/JESUS_COME.pptx
@@ -831,13 +831,7 @@
   <p:cSld>
     <p:spTree>
       <p:nvGrpSpPr>
-        <p:cNvPr id="1" name="Shape 125">
-          <a:extLst>
-            <a:ext uri="{FF2B5EF4-FFF2-40B4-BE49-F238E27FC236}">
-              <a16:creationId xmlns:a16="http://schemas.microsoft.com/office/drawing/2014/main" id="{FD1FC117-BBE8-53DE-7A98-E33C95E4A6BE}"/>
-            </a:ext>
-          </a:extLst>
-        </p:cNvPr>
+        <p:cNvPr id="1" name="Shape 125"/>
         <p:cNvGrpSpPr/>
         <p:nvPr/>
       </p:nvGrpSpPr>
@@ -851,13 +845,7 @@
       </p:grpSpPr>
       <p:sp>
         <p:nvSpPr>
-          <p:cNvPr id="126" name="Google Shape;126;g24f3f32051f_0_87:notes">
-            <a:extLst>
-              <a:ext uri="{FF2B5EF4-FFF2-40B4-BE49-F238E27FC236}">
-                <a16:creationId xmlns:a16="http://schemas.microsoft.com/office/drawing/2014/main" id="{F9ECDD25-89CA-321F-0C5B-7EFADBE6CB38}"/>
-              </a:ext>
-            </a:extLst>
-          </p:cNvPr>
+          <p:cNvPr id="126" name="Google Shape;126;g24f3f32051f_0_87:notes"/>
           <p:cNvSpPr txBox="1">
             <a:spLocks noGrp="1"/>
           </p:cNvSpPr>
@@ -895,13 +883,7 @@
       </p:sp>
       <p:sp>
         <p:nvSpPr>
-          <p:cNvPr id="127" name="Google Shape;127;g24f3f32051f_0_87:notes">
-            <a:extLst>
-              <a:ext uri="{FF2B5EF4-FFF2-40B4-BE49-F238E27FC236}">
-                <a16:creationId xmlns:a16="http://schemas.microsoft.com/office/drawing/2014/main" id="{840E4B9A-24A9-7CC8-A6E3-7086FD23071A}"/>
-              </a:ext>
-            </a:extLst>
-          </p:cNvPr>
+          <p:cNvPr id="127" name="Google Shape;127;g24f3f32051f_0_87:notes"/>
           <p:cNvSpPr>
             <a:spLocks noGrp="1" noRot="1" noChangeAspect="1"/>
           </p:cNvSpPr>
@@ -943,7 +925,7 @@
     </p:spTree>
     <p:extLst>
       <p:ext uri="{BB962C8B-B14F-4D97-AF65-F5344CB8AC3E}">
-        <p14:creationId xmlns:p14="http://schemas.microsoft.com/office/powerpoint/2010/main" val="2433827522"/>
+        <p14:creationId xmlns:p14="http://schemas.microsoft.com/office/powerpoint/2010/main" val="42911308"/>
       </p:ext>
     </p:extLst>
   </p:cSld>
@@ -958,13 +940,7 @@
   <p:cSld>
     <p:spTree>
       <p:nvGrpSpPr>
-        <p:cNvPr id="1" name="Shape 125">
-          <a:extLst>
-            <a:ext uri="{FF2B5EF4-FFF2-40B4-BE49-F238E27FC236}">
-              <a16:creationId xmlns:a16="http://schemas.microsoft.com/office/drawing/2014/main" id="{0C3C8937-F781-38D5-BFD7-5B2969016528}"/>
-            </a:ext>
-          </a:extLst>
-        </p:cNvPr>
+        <p:cNvPr id="1" name="Shape 125"/>
         <p:cNvGrpSpPr/>
         <p:nvPr/>
       </p:nvGrpSpPr>
@@ -978,13 +954,7 @@
       </p:grpSpPr>
       <p:sp>
         <p:nvSpPr>
-          <p:cNvPr id="126" name="Google Shape;126;g24f3f32051f_0_87:notes">
-            <a:extLst>
-              <a:ext uri="{FF2B5EF4-FFF2-40B4-BE49-F238E27FC236}">
-                <a16:creationId xmlns:a16="http://schemas.microsoft.com/office/drawing/2014/main" id="{D1DB82DC-3FD8-61BA-32A5-DF5825DE0549}"/>
-              </a:ext>
-            </a:extLst>
-          </p:cNvPr>
+          <p:cNvPr id="126" name="Google Shape;126;g24f3f32051f_0_87:notes"/>
           <p:cNvSpPr txBox="1">
             <a:spLocks noGrp="1"/>
           </p:cNvSpPr>
@@ -1022,13 +992,7 @@
       </p:sp>
       <p:sp>
         <p:nvSpPr>
-          <p:cNvPr id="127" name="Google Shape;127;g24f3f32051f_0_87:notes">
-            <a:extLst>
-              <a:ext uri="{FF2B5EF4-FFF2-40B4-BE49-F238E27FC236}">
-                <a16:creationId xmlns:a16="http://schemas.microsoft.com/office/drawing/2014/main" id="{6F830631-4270-67BF-C915-68C2D10AC9D1}"/>
-              </a:ext>
-            </a:extLst>
-          </p:cNvPr>
+          <p:cNvPr id="127" name="Google Shape;127;g24f3f32051f_0_87:notes"/>
           <p:cNvSpPr>
             <a:spLocks noGrp="1" noRot="1" noChangeAspect="1"/>
           </p:cNvSpPr>
@@ -1070,7 +1034,7 @@
     </p:spTree>
     <p:extLst>
       <p:ext uri="{BB962C8B-B14F-4D97-AF65-F5344CB8AC3E}">
-        <p14:creationId xmlns:p14="http://schemas.microsoft.com/office/powerpoint/2010/main" val="2636506651"/>
+        <p14:creationId xmlns:p14="http://schemas.microsoft.com/office/powerpoint/2010/main" val="2749006627"/>
       </p:ext>
     </p:extLst>
   </p:cSld>
@@ -15770,16 +15734,20 @@
               </a:rPr>
               <a:t>Jesus come, Jesus come, Jesus come,</a:t>
             </a:r>
-            <a:br>
-              <a:rPr lang="en-GB" sz="3600" b="1" i="1" dirty="0">
-                <a:solidFill>
-                  <a:schemeClr val="bg1"/>
-                </a:solidFill>
-                <a:latin typeface="Calibri" panose="020F0502020204030204" pitchFamily="34" charset="0"/>
-                <a:ea typeface="Calibri" panose="020F0502020204030204" pitchFamily="34" charset="0"/>
-                <a:cs typeface="Calibri" panose="020F0502020204030204" pitchFamily="34" charset="0"/>
-              </a:rPr>
-            </a:br>
+          </a:p>
+          <a:p>
+            <a:pPr marL="114300" indent="0">
+              <a:lnSpc>
+                <a:spcPct val="100000"/>
+              </a:lnSpc>
+              <a:spcBef>
+                <a:spcPct val="0"/>
+              </a:spcBef>
+              <a:spcAft>
+                <a:spcPct val="0"/>
+              </a:spcAft>
+              <a:buNone/>
+            </a:pPr>
             <a:r>
               <a:rPr lang="en-GB" sz="3600" b="1" i="1" dirty="0">
                 <a:solidFill>
@@ -15805,7 +15773,7 @@
               </a:spcAft>
               <a:buNone/>
             </a:pPr>
-            <a:endParaRPr lang="en-GB" sz="3400" b="1" i="1" dirty="0">
+            <a:endParaRPr lang="en-GB" sz="3600" b="1" i="1" dirty="0">
               <a:solidFill>
                 <a:schemeClr val="bg1"/>
               </a:solidFill>
@@ -15943,7 +15911,7 @@
           <p:cNvPr id="2" name="Google Shape;131;p25">
             <a:extLst>
               <a:ext uri="{FF2B5EF4-FFF2-40B4-BE49-F238E27FC236}">
-                <a16:creationId xmlns:a16="http://schemas.microsoft.com/office/drawing/2014/main" id="{D7BA77BD-A8C5-882A-18F6-EFE7F7A45FED}"/>
+                <a16:creationId xmlns:a16="http://schemas.microsoft.com/office/drawing/2014/main" id="{9C3E2805-8386-E05F-0FB1-1D7DCED0BCFA}"/>
               </a:ext>
             </a:extLst>
           </p:cNvPr>
@@ -16030,13 +15998,7 @@
     </p:bg>
     <p:spTree>
       <p:nvGrpSpPr>
-        <p:cNvPr id="1" name="Shape 128">
-          <a:extLst>
-            <a:ext uri="{FF2B5EF4-FFF2-40B4-BE49-F238E27FC236}">
-              <a16:creationId xmlns:a16="http://schemas.microsoft.com/office/drawing/2014/main" id="{DC445250-CCA3-B9D6-F418-CC5F565C6563}"/>
-            </a:ext>
-          </a:extLst>
-        </p:cNvPr>
+        <p:cNvPr id="1" name="Shape 128"/>
         <p:cNvGrpSpPr/>
         <p:nvPr/>
       </p:nvGrpSpPr>
@@ -16050,13 +16012,7 @@
       </p:grpSpPr>
       <p:sp>
         <p:nvSpPr>
-          <p:cNvPr id="129" name="Google Shape;129;p25">
-            <a:extLst>
-              <a:ext uri="{FF2B5EF4-FFF2-40B4-BE49-F238E27FC236}">
-                <a16:creationId xmlns:a16="http://schemas.microsoft.com/office/drawing/2014/main" id="{82D9C552-6DEC-C2A4-A493-AAED2334A9F3}"/>
-              </a:ext>
-            </a:extLst>
-          </p:cNvPr>
+          <p:cNvPr id="129" name="Google Shape;129;p25"/>
           <p:cNvSpPr txBox="1">
             <a:spLocks noGrp="1"/>
           </p:cNvSpPr>
@@ -16097,13 +16053,7 @@
       </p:sp>
       <p:sp>
         <p:nvSpPr>
-          <p:cNvPr id="130" name="Google Shape;130;p25">
-            <a:extLst>
-              <a:ext uri="{FF2B5EF4-FFF2-40B4-BE49-F238E27FC236}">
-                <a16:creationId xmlns:a16="http://schemas.microsoft.com/office/drawing/2014/main" id="{D84837AF-9004-1695-7755-F5D7F6F6BAF7}"/>
-              </a:ext>
-            </a:extLst>
-          </p:cNvPr>
+          <p:cNvPr id="130" name="Google Shape;130;p25"/>
           <p:cNvSpPr txBox="1">
             <a:spLocks noGrp="1"/>
           </p:cNvSpPr>
@@ -16153,16 +16103,20 @@
               </a:rPr>
               <a:t>Jesus come, Jesus come, Jesus come,</a:t>
             </a:r>
-            <a:br>
-              <a:rPr lang="en-GB" sz="3600" b="1" i="1" dirty="0">
-                <a:solidFill>
-                  <a:schemeClr val="bg1"/>
-                </a:solidFill>
-                <a:latin typeface="Calibri" panose="020F0502020204030204" pitchFamily="34" charset="0"/>
-                <a:ea typeface="Calibri" panose="020F0502020204030204" pitchFamily="34" charset="0"/>
-                <a:cs typeface="Calibri" panose="020F0502020204030204" pitchFamily="34" charset="0"/>
-              </a:rPr>
-            </a:br>
+          </a:p>
+          <a:p>
+            <a:pPr marL="114300" indent="0">
+              <a:lnSpc>
+                <a:spcPct val="100000"/>
+              </a:lnSpc>
+              <a:spcBef>
+                <a:spcPct val="0"/>
+              </a:spcBef>
+              <a:spcAft>
+                <a:spcPct val="0"/>
+              </a:spcAft>
+              <a:buNone/>
+            </a:pPr>
             <a:r>
               <a:rPr lang="en-GB" sz="3600" b="1" i="1" dirty="0">
                 <a:solidFill>
@@ -16188,7 +16142,7 @@
               </a:spcAft>
               <a:buNone/>
             </a:pPr>
-            <a:endParaRPr lang="en-GB" sz="3400" b="1" i="1" dirty="0">
+            <a:endParaRPr lang="en-GB" sz="3600" b="1" i="1" dirty="0">
               <a:solidFill>
                 <a:schemeClr val="bg1"/>
               </a:solidFill>
@@ -16326,7 +16280,7 @@
           <p:cNvPr id="2" name="Google Shape;131;p25">
             <a:extLst>
               <a:ext uri="{FF2B5EF4-FFF2-40B4-BE49-F238E27FC236}">
-                <a16:creationId xmlns:a16="http://schemas.microsoft.com/office/drawing/2014/main" id="{12DDD4A6-459C-E060-A1FA-8593032B4067}"/>
+                <a16:creationId xmlns:a16="http://schemas.microsoft.com/office/drawing/2014/main" id="{9C3E2805-8386-E05F-0FB1-1D7DCED0BCFA}"/>
               </a:ext>
             </a:extLst>
           </p:cNvPr>
@@ -16390,7 +16344,7 @@
     </p:spTree>
     <p:extLst>
       <p:ext uri="{BB962C8B-B14F-4D97-AF65-F5344CB8AC3E}">
-        <p14:creationId xmlns:p14="http://schemas.microsoft.com/office/powerpoint/2010/main" val="3453418553"/>
+        <p14:creationId xmlns:p14="http://schemas.microsoft.com/office/powerpoint/2010/main" val="2683162095"/>
       </p:ext>
     </p:extLst>
   </p:cSld>
@@ -16413,13 +16367,7 @@
     </p:bg>
     <p:spTree>
       <p:nvGrpSpPr>
-        <p:cNvPr id="1" name="Shape 128">
-          <a:extLst>
-            <a:ext uri="{FF2B5EF4-FFF2-40B4-BE49-F238E27FC236}">
-              <a16:creationId xmlns:a16="http://schemas.microsoft.com/office/drawing/2014/main" id="{E9567071-5573-506A-CE28-11E0FFD5473A}"/>
-            </a:ext>
-          </a:extLst>
-        </p:cNvPr>
+        <p:cNvPr id="1" name="Shape 128"/>
         <p:cNvGrpSpPr/>
         <p:nvPr/>
       </p:nvGrpSpPr>
@@ -16433,13 +16381,7 @@
       </p:grpSpPr>
       <p:sp>
         <p:nvSpPr>
-          <p:cNvPr id="129" name="Google Shape;129;p25">
-            <a:extLst>
-              <a:ext uri="{FF2B5EF4-FFF2-40B4-BE49-F238E27FC236}">
-                <a16:creationId xmlns:a16="http://schemas.microsoft.com/office/drawing/2014/main" id="{AFFF85C5-6A4F-99BD-D906-2512B1684E18}"/>
-              </a:ext>
-            </a:extLst>
-          </p:cNvPr>
+          <p:cNvPr id="129" name="Google Shape;129;p25"/>
           <p:cNvSpPr txBox="1">
             <a:spLocks noGrp="1"/>
           </p:cNvSpPr>
@@ -16480,13 +16422,7 @@
       </p:sp>
       <p:sp>
         <p:nvSpPr>
-          <p:cNvPr id="130" name="Google Shape;130;p25">
-            <a:extLst>
-              <a:ext uri="{FF2B5EF4-FFF2-40B4-BE49-F238E27FC236}">
-                <a16:creationId xmlns:a16="http://schemas.microsoft.com/office/drawing/2014/main" id="{BF1EF71C-8560-4228-2EFC-2C44F4B4C8FA}"/>
-              </a:ext>
-            </a:extLst>
-          </p:cNvPr>
+          <p:cNvPr id="130" name="Google Shape;130;p25"/>
           <p:cNvSpPr txBox="1">
             <a:spLocks noGrp="1"/>
           </p:cNvSpPr>
@@ -16536,16 +16472,20 @@
               </a:rPr>
               <a:t>Jesus come, Jesus come, Jesus come,</a:t>
             </a:r>
-            <a:br>
-              <a:rPr lang="en-GB" sz="3600" b="1" i="1" dirty="0">
-                <a:solidFill>
-                  <a:schemeClr val="bg1"/>
-                </a:solidFill>
-                <a:latin typeface="Calibri" panose="020F0502020204030204" pitchFamily="34" charset="0"/>
-                <a:ea typeface="Calibri" panose="020F0502020204030204" pitchFamily="34" charset="0"/>
-                <a:cs typeface="Calibri" panose="020F0502020204030204" pitchFamily="34" charset="0"/>
-              </a:rPr>
-            </a:br>
+          </a:p>
+          <a:p>
+            <a:pPr marL="114300" indent="0">
+              <a:lnSpc>
+                <a:spcPct val="100000"/>
+              </a:lnSpc>
+              <a:spcBef>
+                <a:spcPct val="0"/>
+              </a:spcBef>
+              <a:spcAft>
+                <a:spcPct val="0"/>
+              </a:spcAft>
+              <a:buNone/>
+            </a:pPr>
             <a:r>
               <a:rPr lang="en-GB" sz="3600" b="1" i="1" dirty="0">
                 <a:solidFill>
@@ -16571,7 +16511,7 @@
               </a:spcAft>
               <a:buNone/>
             </a:pPr>
-            <a:endParaRPr lang="en-GB" sz="3400" b="1" i="1" dirty="0">
+            <a:endParaRPr lang="en-GB" sz="3600" b="1" i="1" dirty="0">
               <a:solidFill>
                 <a:schemeClr val="bg1"/>
               </a:solidFill>
@@ -16699,36 +16639,17 @@
                 <a:ea typeface="Calibri" panose="020F0502020204030204" pitchFamily="34" charset="0"/>
                 <a:cs typeface="Calibri" panose="020F0502020204030204" pitchFamily="34" charset="0"/>
               </a:rPr>
-              <a:t>He’s knocking hard, </a:t>
+              <a:t>He’s knocking hard, open wide, let Him come!</a:t>
             </a:r>
-            <a:r>
-              <a:rPr lang="en-GB" sz="3400" b="1">
-                <a:solidFill>
-                  <a:schemeClr val="bg1"/>
-                </a:solidFill>
-                <a:latin typeface="Calibri" panose="020F0502020204030204" pitchFamily="34" charset="0"/>
-                <a:ea typeface="Calibri" panose="020F0502020204030204" pitchFamily="34" charset="0"/>
-                <a:cs typeface="Calibri" panose="020F0502020204030204" pitchFamily="34" charset="0"/>
-              </a:rPr>
-              <a:t>open wide, let Him come!</a:t>
-            </a:r>
-            <a:endParaRPr lang="en-GB" sz="3400" b="1" dirty="0">
-              <a:solidFill>
-                <a:schemeClr val="bg1"/>
-              </a:solidFill>
-              <a:latin typeface="Calibri" panose="020F0502020204030204" pitchFamily="34" charset="0"/>
-              <a:ea typeface="Calibri" panose="020F0502020204030204" pitchFamily="34" charset="0"/>
-              <a:cs typeface="Calibri" panose="020F0502020204030204" pitchFamily="34" charset="0"/>
-            </a:endParaRPr>
           </a:p>
         </p:txBody>
       </p:sp>
       <p:sp>
         <p:nvSpPr>
-          <p:cNvPr id="131" name="Google Shape;131;p25">
+          <p:cNvPr id="2" name="Google Shape;131;p25">
             <a:extLst>
               <a:ext uri="{FF2B5EF4-FFF2-40B4-BE49-F238E27FC236}">
-                <a16:creationId xmlns:a16="http://schemas.microsoft.com/office/drawing/2014/main" id="{CD113ED7-8D64-8C57-E68E-57658DDB7BF8}"/>
+                <a16:creationId xmlns:a16="http://schemas.microsoft.com/office/drawing/2014/main" id="{9C3E2805-8386-E05F-0FB1-1D7DCED0BCFA}"/>
               </a:ext>
             </a:extLst>
           </p:cNvPr>
@@ -16754,13 +16675,21 @@
           </a:bodyPr>
           <a:lstStyle/>
           <a:p>
-            <a:pPr>
+            <a:pPr marL="0" lvl="0" indent="0" algn="l" rtl="0">
+              <a:spcBef>
+                <a:spcPts val="0"/>
+              </a:spcBef>
+              <a:spcAft>
+                <a:spcPts val="0"/>
+              </a:spcAft>
               <a:buClr>
                 <a:schemeClr val="lt1"/>
               </a:buClr>
               <a:buSzPts val="3200"/>
+              <a:buFont typeface="Arial"/>
+              <a:buNone/>
             </a:pPr>
-            <a:endParaRPr lang="en-GB" sz="3600" dirty="0">
+            <a:endParaRPr sz="3600" dirty="0">
               <a:latin typeface="Calibri"/>
               <a:ea typeface="Calibri"/>
               <a:cs typeface="Calibri"/>
@@ -16772,7 +16701,7 @@
     </p:spTree>
     <p:extLst>
       <p:ext uri="{BB962C8B-B14F-4D97-AF65-F5344CB8AC3E}">
-        <p14:creationId xmlns:p14="http://schemas.microsoft.com/office/powerpoint/2010/main" val="3297676955"/>
+        <p14:creationId xmlns:p14="http://schemas.microsoft.com/office/powerpoint/2010/main" val="3261672521"/>
       </p:ext>
     </p:extLst>
   </p:cSld>
